--- a/Презентация.pptx
+++ b/Презентация.pptx
@@ -293,7 +293,7 @@
           <a:p>
             <a:fld id="{0A3030BA-4F39-4547-8EC0-47AF6C8F40D6}" type="datetimeFigureOut">
               <a:rPr lang="ru-RU" smtClean="0"/>
-              <a:t>04.11.2019</a:t>
+              <a:t>05.11.2019</a:t>
             </a:fld>
             <a:endParaRPr lang="ru-RU"/>
           </a:p>
@@ -463,7 +463,7 @@
           <a:p>
             <a:fld id="{0A3030BA-4F39-4547-8EC0-47AF6C8F40D6}" type="datetimeFigureOut">
               <a:rPr lang="ru-RU" smtClean="0"/>
-              <a:t>04.11.2019</a:t>
+              <a:t>05.11.2019</a:t>
             </a:fld>
             <a:endParaRPr lang="ru-RU"/>
           </a:p>
@@ -643,7 +643,7 @@
           <a:p>
             <a:fld id="{0A3030BA-4F39-4547-8EC0-47AF6C8F40D6}" type="datetimeFigureOut">
               <a:rPr lang="ru-RU" smtClean="0"/>
-              <a:t>04.11.2019</a:t>
+              <a:t>05.11.2019</a:t>
             </a:fld>
             <a:endParaRPr lang="ru-RU"/>
           </a:p>
@@ -813,7 +813,7 @@
           <a:p>
             <a:fld id="{0A3030BA-4F39-4547-8EC0-47AF6C8F40D6}" type="datetimeFigureOut">
               <a:rPr lang="ru-RU" smtClean="0"/>
-              <a:t>04.11.2019</a:t>
+              <a:t>05.11.2019</a:t>
             </a:fld>
             <a:endParaRPr lang="ru-RU"/>
           </a:p>
@@ -1059,7 +1059,7 @@
           <a:p>
             <a:fld id="{0A3030BA-4F39-4547-8EC0-47AF6C8F40D6}" type="datetimeFigureOut">
               <a:rPr lang="ru-RU" smtClean="0"/>
-              <a:t>04.11.2019</a:t>
+              <a:t>05.11.2019</a:t>
             </a:fld>
             <a:endParaRPr lang="ru-RU"/>
           </a:p>
@@ -1347,7 +1347,7 @@
           <a:p>
             <a:fld id="{0A3030BA-4F39-4547-8EC0-47AF6C8F40D6}" type="datetimeFigureOut">
               <a:rPr lang="ru-RU" smtClean="0"/>
-              <a:t>04.11.2019</a:t>
+              <a:t>05.11.2019</a:t>
             </a:fld>
             <a:endParaRPr lang="ru-RU"/>
           </a:p>
@@ -1769,7 +1769,7 @@
           <a:p>
             <a:fld id="{0A3030BA-4F39-4547-8EC0-47AF6C8F40D6}" type="datetimeFigureOut">
               <a:rPr lang="ru-RU" smtClean="0"/>
-              <a:t>04.11.2019</a:t>
+              <a:t>05.11.2019</a:t>
             </a:fld>
             <a:endParaRPr lang="ru-RU"/>
           </a:p>
@@ -1887,7 +1887,7 @@
           <a:p>
             <a:fld id="{0A3030BA-4F39-4547-8EC0-47AF6C8F40D6}" type="datetimeFigureOut">
               <a:rPr lang="ru-RU" smtClean="0"/>
-              <a:t>04.11.2019</a:t>
+              <a:t>05.11.2019</a:t>
             </a:fld>
             <a:endParaRPr lang="ru-RU"/>
           </a:p>
@@ -1982,7 +1982,7 @@
           <a:p>
             <a:fld id="{0A3030BA-4F39-4547-8EC0-47AF6C8F40D6}" type="datetimeFigureOut">
               <a:rPr lang="ru-RU" smtClean="0"/>
-              <a:t>04.11.2019</a:t>
+              <a:t>05.11.2019</a:t>
             </a:fld>
             <a:endParaRPr lang="ru-RU"/>
           </a:p>
@@ -2259,7 +2259,7 @@
           <a:p>
             <a:fld id="{0A3030BA-4F39-4547-8EC0-47AF6C8F40D6}" type="datetimeFigureOut">
               <a:rPr lang="ru-RU" smtClean="0"/>
-              <a:t>04.11.2019</a:t>
+              <a:t>05.11.2019</a:t>
             </a:fld>
             <a:endParaRPr lang="ru-RU"/>
           </a:p>
@@ -2512,7 +2512,7 @@
           <a:p>
             <a:fld id="{0A3030BA-4F39-4547-8EC0-47AF6C8F40D6}" type="datetimeFigureOut">
               <a:rPr lang="ru-RU" smtClean="0"/>
-              <a:t>04.11.2019</a:t>
+              <a:t>05.11.2019</a:t>
             </a:fld>
             <a:endParaRPr lang="ru-RU"/>
           </a:p>
@@ -2734,7 +2734,7 @@
           <a:p>
             <a:fld id="{0A3030BA-4F39-4547-8EC0-47AF6C8F40D6}" type="datetimeFigureOut">
               <a:rPr lang="ru-RU" smtClean="0"/>
-              <a:t>04.11.2019</a:t>
+              <a:t>05.11.2019</a:t>
             </a:fld>
             <a:endParaRPr lang="ru-RU"/>
           </a:p>
@@ -3960,20 +3960,6 @@
 <file path=ppt/slides/slide6.xml><?xml version="1.0" encoding="utf-8"?>
 <p:sld xmlns:a="http://schemas.openxmlformats.org/drawingml/2006/main" xmlns:r="http://schemas.openxmlformats.org/officeDocument/2006/relationships" xmlns:p="http://schemas.openxmlformats.org/presentationml/2006/main">
   <p:cSld>
-    <p:bg>
-      <p:bgPr>
-        <a:blipFill dpi="0" rotWithShape="1">
-          <a:blip r:embed="rId2">
-            <a:lum/>
-          </a:blip>
-          <a:srcRect/>
-          <a:stretch>
-            <a:fillRect l="-20000" r="-20000"/>
-          </a:stretch>
-        </a:blipFill>
-        <a:effectLst/>
-      </p:bgPr>
-    </p:bg>
     <p:spTree>
       <p:nvGrpSpPr>
         <p:cNvPr id="1" name=""/>
@@ -3997,7 +3983,7 @@
           <p:nvPr/>
         </p:nvPicPr>
         <p:blipFill rotWithShape="1">
-          <a:blip r:embed="rId3">
+          <a:blip r:embed="rId2">
             <a:extLst>
               <a:ext uri="{28A0092B-C50C-407E-A947-70E740481C1C}">
                 <a14:useLocalDpi xmlns:a14="http://schemas.microsoft.com/office/drawing/2010/main" val="0"/>
@@ -4036,7 +4022,7 @@
           <p:nvPr/>
         </p:nvPicPr>
         <p:blipFill>
-          <a:blip r:embed="rId4" cstate="print">
+          <a:blip r:embed="rId3" cstate="print">
             <a:extLst>
               <a:ext uri="{28A0092B-C50C-407E-A947-70E740481C1C}">
                 <a14:useLocalDpi xmlns:a14="http://schemas.microsoft.com/office/drawing/2010/main" val="0"/>
@@ -4077,7 +4063,7 @@
           <p:nvPr/>
         </p:nvPicPr>
         <p:blipFill rotWithShape="1">
-          <a:blip r:embed="rId5">
+          <a:blip r:embed="rId4">
             <a:extLst>
               <a:ext uri="{28A0092B-C50C-407E-A947-70E740481C1C}">
                 <a14:useLocalDpi xmlns:a14="http://schemas.microsoft.com/office/drawing/2010/main" val="0"/>
